--- a/8 - Offensive Security Tactics for Linux Professionals - Linux Network Defence Evasion.pptx
+++ b/8 - Offensive Security Tactics for Linux Professionals - Linux Network Defence Evasion.pptx
@@ -5,7 +5,7 @@
     <p:sldMasterId id="2147483673" r:id="rId1"/>
   </p:sldMasterIdLst>
   <p:notesMasterIdLst>
-    <p:notesMasterId r:id="rId35"/>
+    <p:notesMasterId r:id="rId36"/>
   </p:notesMasterIdLst>
   <p:sldIdLst>
     <p:sldId id="256" r:id="rId2"/>
@@ -40,7 +40,8 @@
     <p:sldId id="273" r:id="rId31"/>
     <p:sldId id="293" r:id="rId32"/>
     <p:sldId id="274" r:id="rId33"/>
-    <p:sldId id="275" r:id="rId34"/>
+    <p:sldId id="296" r:id="rId34"/>
+    <p:sldId id="275" r:id="rId35"/>
   </p:sldIdLst>
   <p:sldSz cx="12192000" cy="6858000"/>
   <p:notesSz cx="6858000" cy="9144000"/>
@@ -17717,7 +17718,7 @@
           <a:p>
             <a:fld id="{1E1239D8-A3E4-4879-BF5F-57A22AA4E216}" type="datetimeFigureOut">
               <a:rPr lang="en-GB" smtClean="0"/>
-              <a:t>07/04/2022</a:t>
+              <a:t>11/04/2022</a:t>
             </a:fld>
             <a:endParaRPr lang="en-GB"/>
           </a:p>
@@ -19385,7 +19386,7 @@
           <a:p>
             <a:fld id="{32E187F3-9963-44CE-ADE3-39532D8BFE55}" type="slidenum">
               <a:rPr lang="en-GB" smtClean="0"/>
-              <a:t>33</a:t>
+              <a:t>34</a:t>
             </a:fld>
             <a:endParaRPr lang="en-GB"/>
           </a:p>
@@ -20207,7 +20208,7 @@
           <a:p>
             <a:fld id="{02AC24A9-CCB6-4F8D-B8DB-C2F3692CFA5A}" type="datetimeFigureOut">
               <a:rPr lang="en-US" smtClean="0"/>
-              <a:t>4/7/2022</a:t>
+              <a:t>4/11/2022</a:t>
             </a:fld>
             <a:endParaRPr lang="en-US" dirty="0"/>
           </a:p>
@@ -20577,7 +20578,7 @@
           <a:p>
             <a:fld id="{02AC24A9-CCB6-4F8D-B8DB-C2F3692CFA5A}" type="datetimeFigureOut">
               <a:rPr lang="en-US" smtClean="0"/>
-              <a:t>4/7/2022</a:t>
+              <a:t>4/11/2022</a:t>
             </a:fld>
             <a:endParaRPr lang="en-US"/>
           </a:p>
@@ -20786,7 +20787,7 @@
           <a:p>
             <a:fld id="{02AC24A9-CCB6-4F8D-B8DB-C2F3692CFA5A}" type="datetimeFigureOut">
               <a:rPr lang="en-US" smtClean="0"/>
-              <a:t>4/7/2022</a:t>
+              <a:t>4/11/2022</a:t>
             </a:fld>
             <a:endParaRPr lang="en-US"/>
           </a:p>
@@ -21256,7 +21257,7 @@
           <a:p>
             <a:fld id="{02AC24A9-CCB6-4F8D-B8DB-C2F3692CFA5A}" type="datetimeFigureOut">
               <a:rPr lang="en-US" smtClean="0"/>
-              <a:t>4/7/2022</a:t>
+              <a:t>4/11/2022</a:t>
             </a:fld>
             <a:endParaRPr lang="en-US"/>
           </a:p>
@@ -21710,7 +21711,7 @@
           <a:p>
             <a:fld id="{02AC24A9-CCB6-4F8D-B8DB-C2F3692CFA5A}" type="datetimeFigureOut">
               <a:rPr lang="en-US" smtClean="0"/>
-              <a:t>4/7/2022</a:t>
+              <a:t>4/11/2022</a:t>
             </a:fld>
             <a:endParaRPr lang="en-US"/>
           </a:p>
@@ -22242,7 +22243,7 @@
           <a:p>
             <a:fld id="{02AC24A9-CCB6-4F8D-B8DB-C2F3692CFA5A}" type="datetimeFigureOut">
               <a:rPr lang="en-US" smtClean="0"/>
-              <a:t>4/7/2022</a:t>
+              <a:t>4/11/2022</a:t>
             </a:fld>
             <a:endParaRPr lang="en-US"/>
           </a:p>
@@ -22941,7 +22942,7 @@
           <a:p>
             <a:fld id="{02AC24A9-CCB6-4F8D-B8DB-C2F3692CFA5A}" type="datetimeFigureOut">
               <a:rPr lang="en-US" smtClean="0"/>
-              <a:t>4/7/2022</a:t>
+              <a:t>4/11/2022</a:t>
             </a:fld>
             <a:endParaRPr lang="en-US"/>
           </a:p>
@@ -23270,7 +23271,7 @@
           <a:p>
             <a:fld id="{02AC24A9-CCB6-4F8D-B8DB-C2F3692CFA5A}" type="datetimeFigureOut">
               <a:rPr lang="en-US" smtClean="0"/>
-              <a:t>4/7/2022</a:t>
+              <a:t>4/11/2022</a:t>
             </a:fld>
             <a:endParaRPr lang="en-US"/>
           </a:p>
@@ -23383,7 +23384,7 @@
           <a:p>
             <a:fld id="{02AC24A9-CCB6-4F8D-B8DB-C2F3692CFA5A}" type="datetimeFigureOut">
               <a:rPr lang="en-US" smtClean="0"/>
-              <a:t>4/7/2022</a:t>
+              <a:t>4/11/2022</a:t>
             </a:fld>
             <a:endParaRPr lang="en-US"/>
           </a:p>
@@ -23878,7 +23879,7 @@
           <a:p>
             <a:fld id="{02AC24A9-CCB6-4F8D-B8DB-C2F3692CFA5A}" type="datetimeFigureOut">
               <a:rPr lang="en-US" smtClean="0"/>
-              <a:t>4/7/2022</a:t>
+              <a:t>4/11/2022</a:t>
             </a:fld>
             <a:endParaRPr lang="en-US" dirty="0"/>
           </a:p>
@@ -24355,7 +24356,7 @@
           <a:p>
             <a:fld id="{02AC24A9-CCB6-4F8D-B8DB-C2F3692CFA5A}" type="datetimeFigureOut">
               <a:rPr lang="en-US" smtClean="0"/>
-              <a:t>4/7/2022</a:t>
+              <a:t>4/11/2022</a:t>
             </a:fld>
             <a:endParaRPr lang="en-US"/>
           </a:p>
@@ -24598,7 +24599,7 @@
           <a:p>
             <a:fld id="{02AC24A9-CCB6-4F8D-B8DB-C2F3692CFA5A}" type="datetimeFigureOut">
               <a:rPr lang="en-US" smtClean="0"/>
-              <a:t>4/7/2022</a:t>
+              <a:t>4/11/2022</a:t>
             </a:fld>
             <a:endParaRPr lang="en-US"/>
           </a:p>
@@ -26396,10 +26397,10 @@
       </p:sp>
       <p:pic>
         <p:nvPicPr>
-          <p:cNvPr id="5" name="Picture 4" descr="Text&#10;&#10;Description automatically generated">
+          <p:cNvPr id="6" name="Picture 5">
             <a:extLst>
               <a:ext uri="{FF2B5EF4-FFF2-40B4-BE49-F238E27FC236}">
-                <a16:creationId xmlns:a16="http://schemas.microsoft.com/office/drawing/2014/main" id="{347F05AC-5A13-47C6-A4B7-FE39C49F8799}"/>
+                <a16:creationId xmlns:a16="http://schemas.microsoft.com/office/drawing/2014/main" id="{D3D77E02-541B-4370-B2F8-F0C53270DAF5}"/>
               </a:ext>
             </a:extLst>
           </p:cNvPr>
@@ -26408,15 +26409,16 @@
           </p:cNvPicPr>
           <p:nvPr/>
         </p:nvPicPr>
-        <p:blipFill rotWithShape="1">
+        <p:blipFill>
           <a:blip r:embed="rId3"/>
-          <a:srcRect r="-2" b="4916"/>
-          <a:stretch/>
+          <a:stretch>
+            <a:fillRect/>
+          </a:stretch>
         </p:blipFill>
         <p:spPr>
           <a:xfrm>
-            <a:off x="554416" y="2731167"/>
-            <a:ext cx="11167447" cy="3484983"/>
+            <a:off x="1260681" y="3067217"/>
+            <a:ext cx="10093119" cy="3178008"/>
           </a:xfrm>
           <a:prstGeom prst="rect">
             <a:avLst/>
@@ -26685,65 +26687,6 @@
           </a:p>
         </p:txBody>
       </p:sp>
-      <p:pic>
-        <p:nvPicPr>
-          <p:cNvPr id="9" name="Picture 8" descr="A picture containing text, outdoor, close&#10;&#10;Description automatically generated">
-            <a:extLst>
-              <a:ext uri="{FF2B5EF4-FFF2-40B4-BE49-F238E27FC236}">
-                <a16:creationId xmlns:a16="http://schemas.microsoft.com/office/drawing/2014/main" id="{435D3427-1476-41A5-8139-32D1E25616F6}"/>
-              </a:ext>
-            </a:extLst>
-          </p:cNvPr>
-          <p:cNvPicPr>
-            <a:picLocks noChangeAspect="1"/>
-          </p:cNvPicPr>
-          <p:nvPr/>
-        </p:nvPicPr>
-        <p:blipFill rotWithShape="1">
-          <a:blip r:embed="rId3"/>
-          <a:srcRect b="50000"/>
-          <a:stretch/>
-        </p:blipFill>
-        <p:spPr>
-          <a:xfrm>
-            <a:off x="1248303" y="3761729"/>
-            <a:ext cx="7324725" cy="604838"/>
-          </a:xfrm>
-          <a:prstGeom prst="rect">
-            <a:avLst/>
-          </a:prstGeom>
-        </p:spPr>
-      </p:pic>
-      <p:pic>
-        <p:nvPicPr>
-          <p:cNvPr id="11" name="Picture 10">
-            <a:extLst>
-              <a:ext uri="{FF2B5EF4-FFF2-40B4-BE49-F238E27FC236}">
-                <a16:creationId xmlns:a16="http://schemas.microsoft.com/office/drawing/2014/main" id="{C817E14F-BA7E-4DDE-A731-37316820FCEE}"/>
-              </a:ext>
-            </a:extLst>
-          </p:cNvPr>
-          <p:cNvPicPr>
-            <a:picLocks noChangeAspect="1"/>
-          </p:cNvPicPr>
-          <p:nvPr/>
-        </p:nvPicPr>
-        <p:blipFill>
-          <a:blip r:embed="rId4"/>
-          <a:stretch>
-            <a:fillRect/>
-          </a:stretch>
-        </p:blipFill>
-        <p:spPr>
-          <a:xfrm>
-            <a:off x="1115568" y="5074797"/>
-            <a:ext cx="9705540" cy="604838"/>
-          </a:xfrm>
-          <a:prstGeom prst="rect">
-            <a:avLst/>
-          </a:prstGeom>
-        </p:spPr>
-      </p:pic>
       <p:cxnSp>
         <p:nvCxnSpPr>
           <p:cNvPr id="21" name="Straight Arrow Connector 20">
@@ -26934,6 +26877,66 @@
           </a:p>
         </p:txBody>
       </p:sp>
+      <p:pic>
+        <p:nvPicPr>
+          <p:cNvPr id="5" name="Picture 4">
+            <a:extLst>
+              <a:ext uri="{FF2B5EF4-FFF2-40B4-BE49-F238E27FC236}">
+                <a16:creationId xmlns:a16="http://schemas.microsoft.com/office/drawing/2014/main" id="{5543B4C5-3099-4659-B359-DFD901759E2D}"/>
+              </a:ext>
+            </a:extLst>
+          </p:cNvPr>
+          <p:cNvPicPr>
+            <a:picLocks noChangeAspect="1"/>
+          </p:cNvPicPr>
+          <p:nvPr/>
+        </p:nvPicPr>
+        <p:blipFill>
+          <a:blip r:embed="rId3"/>
+          <a:stretch>
+            <a:fillRect/>
+          </a:stretch>
+        </p:blipFill>
+        <p:spPr>
+          <a:xfrm>
+            <a:off x="1115568" y="4101684"/>
+            <a:ext cx="5476875" cy="485775"/>
+          </a:xfrm>
+          <a:prstGeom prst="rect">
+            <a:avLst/>
+          </a:prstGeom>
+        </p:spPr>
+      </p:pic>
+      <p:pic>
+        <p:nvPicPr>
+          <p:cNvPr id="7" name="Picture 6">
+            <a:extLst>
+              <a:ext uri="{FF2B5EF4-FFF2-40B4-BE49-F238E27FC236}">
+                <a16:creationId xmlns:a16="http://schemas.microsoft.com/office/drawing/2014/main" id="{6E443FFD-57D2-4EE5-9402-2657E19F4191}"/>
+              </a:ext>
+            </a:extLst>
+          </p:cNvPr>
+          <p:cNvPicPr>
+            <a:picLocks noChangeAspect="1"/>
+          </p:cNvPicPr>
+          <p:nvPr/>
+        </p:nvPicPr>
+        <p:blipFill>
+          <a:blip r:embed="rId4"/>
+          <a:stretch>
+            <a:fillRect/>
+          </a:stretch>
+        </p:blipFill>
+        <p:spPr>
+          <a:xfrm>
+            <a:off x="1115568" y="5140447"/>
+            <a:ext cx="7181850" cy="466725"/>
+          </a:xfrm>
+          <a:prstGeom prst="rect">
+            <a:avLst/>
+          </a:prstGeom>
+        </p:spPr>
+      </p:pic>
     </p:spTree>
     <p:extLst>
       <p:ext uri="{BB962C8B-B14F-4D97-AF65-F5344CB8AC3E}">
@@ -29011,36 +29014,6 @@
           </a:p>
         </p:txBody>
       </p:sp>
-      <p:pic>
-        <p:nvPicPr>
-          <p:cNvPr id="12" name="Picture 11">
-            <a:extLst>
-              <a:ext uri="{FF2B5EF4-FFF2-40B4-BE49-F238E27FC236}">
-                <a16:creationId xmlns:a16="http://schemas.microsoft.com/office/drawing/2014/main" id="{B469A607-0746-4870-881A-34A3223BD158}"/>
-              </a:ext>
-            </a:extLst>
-          </p:cNvPr>
-          <p:cNvPicPr>
-            <a:picLocks noChangeAspect="1"/>
-          </p:cNvPicPr>
-          <p:nvPr/>
-        </p:nvPicPr>
-        <p:blipFill>
-          <a:blip r:embed="rId3"/>
-          <a:stretch>
-            <a:fillRect/>
-          </a:stretch>
-        </p:blipFill>
-        <p:spPr>
-          <a:xfrm>
-            <a:off x="543658" y="4000879"/>
-            <a:ext cx="10889365" cy="979553"/>
-          </a:xfrm>
-          <a:prstGeom prst="rect">
-            <a:avLst/>
-          </a:prstGeom>
-        </p:spPr>
-      </p:pic>
       <p:cxnSp>
         <p:nvCxnSpPr>
           <p:cNvPr id="15" name="Straight Arrow Connector 14">
@@ -29117,6 +29090,36 @@
           </a:p>
         </p:txBody>
       </p:sp>
+      <p:pic>
+        <p:nvPicPr>
+          <p:cNvPr id="5" name="Picture 4">
+            <a:extLst>
+              <a:ext uri="{FF2B5EF4-FFF2-40B4-BE49-F238E27FC236}">
+                <a16:creationId xmlns:a16="http://schemas.microsoft.com/office/drawing/2014/main" id="{EBE0FCC6-B426-4BCA-B37D-BE236951723E}"/>
+              </a:ext>
+            </a:extLst>
+          </p:cNvPr>
+          <p:cNvPicPr>
+            <a:picLocks noChangeAspect="1"/>
+          </p:cNvPicPr>
+          <p:nvPr/>
+        </p:nvPicPr>
+        <p:blipFill>
+          <a:blip r:embed="rId3"/>
+          <a:stretch>
+            <a:fillRect/>
+          </a:stretch>
+        </p:blipFill>
+        <p:spPr>
+          <a:xfrm>
+            <a:off x="1207008" y="3950334"/>
+            <a:ext cx="9060398" cy="903888"/>
+          </a:xfrm>
+          <a:prstGeom prst="rect">
+            <a:avLst/>
+          </a:prstGeom>
+        </p:spPr>
+      </p:pic>
     </p:spTree>
     <p:extLst>
       <p:ext uri="{BB962C8B-B14F-4D97-AF65-F5344CB8AC3E}">
@@ -33703,35 +33706,6 @@
           </a:p>
         </p:txBody>
       </p:sp>
-      <p:pic>
-        <p:nvPicPr>
-          <p:cNvPr id="5" name="Picture 4">
-            <a:extLst>
-              <a:ext uri="{FF2B5EF4-FFF2-40B4-BE49-F238E27FC236}">
-                <a16:creationId xmlns:a16="http://schemas.microsoft.com/office/drawing/2014/main" id="{BA1D7001-5B23-47EA-8420-C9A7D2F4571A}"/>
-              </a:ext>
-            </a:extLst>
-          </p:cNvPr>
-          <p:cNvPicPr>
-            <a:picLocks noChangeAspect="1"/>
-          </p:cNvPicPr>
-          <p:nvPr/>
-        </p:nvPicPr>
-        <p:blipFill rotWithShape="1">
-          <a:blip r:embed="rId2"/>
-          <a:srcRect b="32300"/>
-          <a:stretch/>
-        </p:blipFill>
-        <p:spPr>
-          <a:xfrm>
-            <a:off x="434035" y="2249424"/>
-            <a:ext cx="11323930" cy="798576"/>
-          </a:xfrm>
-          <a:prstGeom prst="rect">
-            <a:avLst/>
-          </a:prstGeom>
-        </p:spPr>
-      </p:pic>
       <p:sp>
         <p:nvSpPr>
           <p:cNvPr id="6" name="TextBox 5">
@@ -33807,6 +33781,36 @@
           </a:p>
         </p:txBody>
       </p:sp>
+      <p:pic>
+        <p:nvPicPr>
+          <p:cNvPr id="4" name="Picture 3">
+            <a:extLst>
+              <a:ext uri="{FF2B5EF4-FFF2-40B4-BE49-F238E27FC236}">
+                <a16:creationId xmlns:a16="http://schemas.microsoft.com/office/drawing/2014/main" id="{6544B524-1BE2-415A-A286-4099006BE528}"/>
+              </a:ext>
+            </a:extLst>
+          </p:cNvPr>
+          <p:cNvPicPr>
+            <a:picLocks noChangeAspect="1"/>
+          </p:cNvPicPr>
+          <p:nvPr/>
+        </p:nvPicPr>
+        <p:blipFill>
+          <a:blip r:embed="rId2"/>
+          <a:stretch>
+            <a:fillRect/>
+          </a:stretch>
+        </p:blipFill>
+        <p:spPr>
+          <a:xfrm>
+            <a:off x="571394" y="2209038"/>
+            <a:ext cx="11224553" cy="830029"/>
+          </a:xfrm>
+          <a:prstGeom prst="rect">
+            <a:avLst/>
+          </a:prstGeom>
+        </p:spPr>
+      </p:pic>
     </p:spTree>
     <p:extLst>
       <p:ext uri="{BB962C8B-B14F-4D97-AF65-F5344CB8AC3E}">
@@ -37070,6 +37074,462 @@
 </file>
 
 <file path=ppt/slides/slide33.xml><?xml version="1.0" encoding="utf-8"?>
+<p:sld xmlns:a="http://schemas.openxmlformats.org/drawingml/2006/main" xmlns:r="http://schemas.openxmlformats.org/officeDocument/2006/relationships" xmlns:p="http://schemas.openxmlformats.org/presentationml/2006/main">
+  <p:cSld>
+    <p:bg>
+      <p:bgPr>
+        <a:solidFill>
+          <a:schemeClr val="bg1"/>
+        </a:solidFill>
+        <a:effectLst/>
+      </p:bgPr>
+    </p:bg>
+    <p:spTree>
+      <p:nvGrpSpPr>
+        <p:cNvPr id="1" name=""/>
+        <p:cNvGrpSpPr/>
+        <p:nvPr/>
+      </p:nvGrpSpPr>
+      <p:grpSpPr>
+        <a:xfrm>
+          <a:off x="0" y="0"/>
+          <a:ext cx="0" cy="0"/>
+          <a:chOff x="0" y="0"/>
+          <a:chExt cx="0" cy="0"/>
+        </a:xfrm>
+      </p:grpSpPr>
+      <p:sp>
+        <p:nvSpPr>
+          <p:cNvPr id="9" name="Rectangle 8">
+            <a:extLst>
+              <a:ext uri="{FF2B5EF4-FFF2-40B4-BE49-F238E27FC236}">
+                <a16:creationId xmlns:a16="http://schemas.microsoft.com/office/drawing/2014/main" id="{8D06CE56-3881-4ADA-8CEF-D18B02C242A3}"/>
+              </a:ext>
+              <a:ext uri="{C183D7F6-B498-43B3-948B-1728B52AA6E4}">
+                <adec:decorative xmlns:adec="http://schemas.microsoft.com/office/drawing/2017/decorative" val="1"/>
+              </a:ext>
+            </a:extLst>
+          </p:cNvPr>
+          <p:cNvSpPr>
+            <a:spLocks noGrp="1" noRot="1" noChangeAspect="1" noMove="1" noResize="1" noEditPoints="1" noAdjustHandles="1" noChangeArrowheads="1" noChangeShapeType="1" noTextEdit="1"/>
+          </p:cNvSpPr>
+          <p:nvPr>
+            <p:extLst>
+              <p:ext uri="{386F3935-93C4-4BCD-93E2-E3B085C9AB24}">
+                <p16:designElem xmlns:p16="http://schemas.microsoft.com/office/powerpoint/2015/main" val="1"/>
+              </p:ext>
+            </p:extLst>
+          </p:nvPr>
+        </p:nvSpPr>
+        <p:spPr>
+          <a:xfrm rot="5400000">
+            <a:off x="857544" y="346791"/>
+            <a:ext cx="146304" cy="704088"/>
+          </a:xfrm>
+          <a:prstGeom prst="rect">
+            <a:avLst/>
+          </a:prstGeom>
+          <a:solidFill>
+            <a:schemeClr val="accent1"/>
+          </a:solidFill>
+          <a:ln>
+            <a:noFill/>
+          </a:ln>
+        </p:spPr>
+        <p:style>
+          <a:lnRef idx="2">
+            <a:schemeClr val="accent1">
+              <a:shade val="50000"/>
+            </a:schemeClr>
+          </a:lnRef>
+          <a:fillRef idx="1">
+            <a:schemeClr val="accent1"/>
+          </a:fillRef>
+          <a:effectRef idx="0">
+            <a:schemeClr val="accent1"/>
+          </a:effectRef>
+          <a:fontRef idx="minor">
+            <a:schemeClr val="lt1"/>
+          </a:fontRef>
+        </p:style>
+        <p:txBody>
+          <a:bodyPr rtlCol="0" anchor="ctr"/>
+          <a:lstStyle/>
+          <a:p>
+            <a:pPr marL="0" marR="0" lvl="0" indent="0" algn="ctr" defTabSz="914400" rtl="0" eaLnBrk="1" fontAlgn="auto" latinLnBrk="0" hangingPunct="1">
+              <a:lnSpc>
+                <a:spcPct val="100000"/>
+              </a:lnSpc>
+              <a:spcBef>
+                <a:spcPts val="0"/>
+              </a:spcBef>
+              <a:spcAft>
+                <a:spcPts val="0"/>
+              </a:spcAft>
+              <a:buClrTx/>
+              <a:buSzTx/>
+              <a:buFontTx/>
+              <a:buNone/>
+              <a:tabLst/>
+              <a:defRPr/>
+            </a:pPr>
+            <a:endParaRPr kumimoji="0" lang="en-US" sz="1800" b="0" i="0" u="none" strike="noStrike" kern="1200" cap="none" spc="0" normalizeH="0" baseline="0" noProof="0">
+              <a:ln>
+                <a:noFill/>
+              </a:ln>
+              <a:solidFill>
+                <a:prstClr val="white"/>
+              </a:solidFill>
+              <a:effectLst/>
+              <a:uLnTx/>
+              <a:uFillTx/>
+              <a:latin typeface="Calibri" panose="020F0502020204030204"/>
+              <a:ea typeface="+mn-ea"/>
+              <a:cs typeface="+mn-cs"/>
+            </a:endParaRPr>
+          </a:p>
+        </p:txBody>
+      </p:sp>
+      <p:sp>
+        <p:nvSpPr>
+          <p:cNvPr id="11" name="Rectangle 10">
+            <a:extLst>
+              <a:ext uri="{FF2B5EF4-FFF2-40B4-BE49-F238E27FC236}">
+                <a16:creationId xmlns:a16="http://schemas.microsoft.com/office/drawing/2014/main" id="{79F3C543-62EC-4433-9C93-A2CD8764E9B4}"/>
+              </a:ext>
+              <a:ext uri="{C183D7F6-B498-43B3-948B-1728B52AA6E4}">
+                <adec:decorative xmlns:adec="http://schemas.microsoft.com/office/drawing/2017/decorative" val="1"/>
+              </a:ext>
+            </a:extLst>
+          </p:cNvPr>
+          <p:cNvSpPr>
+            <a:spLocks noGrp="1" noRot="1" noChangeAspect="1" noMove="1" noResize="1" noEditPoints="1" noAdjustHandles="1" noChangeArrowheads="1" noChangeShapeType="1" noTextEdit="1"/>
+          </p:cNvSpPr>
+          <p:nvPr>
+            <p:extLst>
+              <p:ext uri="{386F3935-93C4-4BCD-93E2-E3B085C9AB24}">
+                <p16:designElem xmlns:p16="http://schemas.microsoft.com/office/powerpoint/2015/main" val="1"/>
+              </p:ext>
+            </p:extLst>
+          </p:nvPr>
+        </p:nvSpPr>
+        <p:spPr>
+          <a:xfrm flipV="1">
+            <a:off x="578652" y="4501201"/>
+            <a:ext cx="11034696" cy="18288"/>
+          </a:xfrm>
+          <a:prstGeom prst="rect">
+            <a:avLst/>
+          </a:prstGeom>
+          <a:solidFill>
+            <a:schemeClr val="tx2">
+              <a:lumMod val="25000"/>
+              <a:lumOff val="75000"/>
+            </a:schemeClr>
+          </a:solidFill>
+          <a:ln w="3175">
+            <a:noFill/>
+          </a:ln>
+          <a:effectLst/>
+        </p:spPr>
+        <p:style>
+          <a:lnRef idx="2">
+            <a:schemeClr val="accent1">
+              <a:shade val="50000"/>
+            </a:schemeClr>
+          </a:lnRef>
+          <a:fillRef idx="1">
+            <a:schemeClr val="accent1"/>
+          </a:fillRef>
+          <a:effectRef idx="0">
+            <a:schemeClr val="accent1"/>
+          </a:effectRef>
+          <a:fontRef idx="minor">
+            <a:schemeClr val="lt1"/>
+          </a:fontRef>
+        </p:style>
+        <p:txBody>
+          <a:bodyPr rtlCol="0" anchor="ctr"/>
+          <a:lstStyle/>
+          <a:p>
+            <a:pPr marL="0" marR="0" lvl="0" indent="0" algn="ctr" defTabSz="914400" rtl="0" eaLnBrk="1" fontAlgn="auto" latinLnBrk="0" hangingPunct="1">
+              <a:lnSpc>
+                <a:spcPct val="100000"/>
+              </a:lnSpc>
+              <a:spcBef>
+                <a:spcPts val="0"/>
+              </a:spcBef>
+              <a:spcAft>
+                <a:spcPts val="0"/>
+              </a:spcAft>
+              <a:buClrTx/>
+              <a:buSzTx/>
+              <a:buFontTx/>
+              <a:buNone/>
+              <a:tabLst/>
+              <a:defRPr/>
+            </a:pPr>
+            <a:endParaRPr kumimoji="0" lang="en-US" sz="1800" b="0" i="0" u="none" strike="noStrike" kern="1200" cap="none" spc="0" normalizeH="0" baseline="0" noProof="0">
+              <a:ln>
+                <a:noFill/>
+              </a:ln>
+              <a:solidFill>
+                <a:prstClr val="white"/>
+              </a:solidFill>
+              <a:effectLst/>
+              <a:uLnTx/>
+              <a:uFillTx/>
+              <a:latin typeface="Calibri" panose="020F0502020204030204"/>
+              <a:ea typeface="+mn-ea"/>
+              <a:cs typeface="+mn-cs"/>
+            </a:endParaRPr>
+          </a:p>
+        </p:txBody>
+      </p:sp>
+      <p:sp useBgFill="1">
+        <p:nvSpPr>
+          <p:cNvPr id="13" name="Rectangle 12">
+            <a:extLst>
+              <a:ext uri="{FF2B5EF4-FFF2-40B4-BE49-F238E27FC236}">
+                <a16:creationId xmlns:a16="http://schemas.microsoft.com/office/drawing/2014/main" id="{5A59F003-E00A-43F9-91DC-CC54E3B87466}"/>
+              </a:ext>
+              <a:ext uri="{C183D7F6-B498-43B3-948B-1728B52AA6E4}">
+                <adec:decorative xmlns:adec="http://schemas.microsoft.com/office/drawing/2017/decorative" val="1"/>
+              </a:ext>
+            </a:extLst>
+          </p:cNvPr>
+          <p:cNvSpPr>
+            <a:spLocks noGrp="1" noRot="1" noChangeAspect="1" noMove="1" noResize="1" noEditPoints="1" noAdjustHandles="1" noChangeArrowheads="1" noChangeShapeType="1" noTextEdit="1"/>
+          </p:cNvSpPr>
+          <p:nvPr>
+            <p:extLst>
+              <p:ext uri="{386F3935-93C4-4BCD-93E2-E3B085C9AB24}">
+                <p16:designElem xmlns:p16="http://schemas.microsoft.com/office/powerpoint/2015/main" val="1"/>
+              </p:ext>
+            </p:extLst>
+          </p:nvPr>
+        </p:nvSpPr>
+        <p:spPr>
+          <a:xfrm>
+            <a:off x="0" y="0"/>
+            <a:ext cx="12192000" cy="6858000"/>
+          </a:xfrm>
+          <a:prstGeom prst="rect">
+            <a:avLst/>
+          </a:prstGeom>
+          <a:ln>
+            <a:noFill/>
+          </a:ln>
+        </p:spPr>
+        <p:style>
+          <a:lnRef idx="2">
+            <a:schemeClr val="accent1">
+              <a:shade val="50000"/>
+            </a:schemeClr>
+          </a:lnRef>
+          <a:fillRef idx="1">
+            <a:schemeClr val="accent1"/>
+          </a:fillRef>
+          <a:effectRef idx="0">
+            <a:schemeClr val="accent1"/>
+          </a:effectRef>
+          <a:fontRef idx="minor">
+            <a:schemeClr val="lt1"/>
+          </a:fontRef>
+        </p:style>
+        <p:txBody>
+          <a:bodyPr rtlCol="0" anchor="ctr"/>
+          <a:lstStyle/>
+          <a:p>
+            <a:pPr algn="ctr"/>
+            <a:endParaRPr lang="en-US"/>
+          </a:p>
+        </p:txBody>
+      </p:sp>
+      <p:pic>
+        <p:nvPicPr>
+          <p:cNvPr id="5" name="Picture 4" descr="Green dialogue boxes">
+            <a:extLst>
+              <a:ext uri="{FF2B5EF4-FFF2-40B4-BE49-F238E27FC236}">
+                <a16:creationId xmlns:a16="http://schemas.microsoft.com/office/drawing/2014/main" id="{A3DEF591-516D-25B7-A7FF-EC025B74E2DF}"/>
+              </a:ext>
+            </a:extLst>
+          </p:cNvPr>
+          <p:cNvPicPr>
+            <a:picLocks noChangeAspect="1"/>
+          </p:cNvPicPr>
+          <p:nvPr/>
+        </p:nvPicPr>
+        <p:blipFill rotWithShape="1">
+          <a:blip r:embed="rId2"/>
+          <a:srcRect t="17112" b="15320"/>
+          <a:stretch/>
+        </p:blipFill>
+        <p:spPr>
+          <a:xfrm>
+            <a:off x="20" y="10"/>
+            <a:ext cx="12191981" cy="6857990"/>
+          </a:xfrm>
+          <a:prstGeom prst="rect">
+            <a:avLst/>
+          </a:prstGeom>
+        </p:spPr>
+      </p:pic>
+      <p:sp>
+        <p:nvSpPr>
+          <p:cNvPr id="15" name="Rectangle 14">
+            <a:extLst>
+              <a:ext uri="{FF2B5EF4-FFF2-40B4-BE49-F238E27FC236}">
+                <a16:creationId xmlns:a16="http://schemas.microsoft.com/office/drawing/2014/main" id="{D74A4382-E3AD-430A-9A1F-DFA3E0E77A7D}"/>
+              </a:ext>
+              <a:ext uri="{C183D7F6-B498-43B3-948B-1728B52AA6E4}">
+                <adec:decorative xmlns:adec="http://schemas.microsoft.com/office/drawing/2017/decorative" val="1"/>
+              </a:ext>
+            </a:extLst>
+          </p:cNvPr>
+          <p:cNvSpPr>
+            <a:spLocks noGrp="1" noRot="1" noChangeAspect="1" noMove="1" noResize="1" noEditPoints="1" noAdjustHandles="1" noChangeArrowheads="1" noChangeShapeType="1" noTextEdit="1"/>
+          </p:cNvSpPr>
+          <p:nvPr>
+            <p:extLst>
+              <p:ext uri="{386F3935-93C4-4BCD-93E2-E3B085C9AB24}">
+                <p16:designElem xmlns:p16="http://schemas.microsoft.com/office/powerpoint/2015/main" val="1"/>
+              </p:ext>
+            </p:extLst>
+          </p:nvPr>
+        </p:nvSpPr>
+        <p:spPr>
+          <a:xfrm rot="16200000">
+            <a:off x="3799868" y="-1534136"/>
+            <a:ext cx="4592270" cy="12192001"/>
+          </a:xfrm>
+          <a:prstGeom prst="rect">
+            <a:avLst/>
+          </a:prstGeom>
+          <a:gradFill>
+            <a:gsLst>
+              <a:gs pos="35000">
+                <a:schemeClr val="tx1">
+                  <a:alpha val="46000"/>
+                </a:schemeClr>
+              </a:gs>
+              <a:gs pos="21000">
+                <a:schemeClr val="tx1">
+                  <a:alpha val="30000"/>
+                </a:schemeClr>
+              </a:gs>
+              <a:gs pos="0">
+                <a:schemeClr val="tx1">
+                  <a:alpha val="0"/>
+                </a:schemeClr>
+              </a:gs>
+              <a:gs pos="100000">
+                <a:schemeClr val="tx1">
+                  <a:alpha val="80000"/>
+                </a:schemeClr>
+              </a:gs>
+            </a:gsLst>
+            <a:lin ang="10800000" scaled="0"/>
+          </a:gradFill>
+          <a:ln>
+            <a:noFill/>
+          </a:ln>
+        </p:spPr>
+        <p:style>
+          <a:lnRef idx="2">
+            <a:schemeClr val="accent1">
+              <a:shade val="50000"/>
+            </a:schemeClr>
+          </a:lnRef>
+          <a:fillRef idx="1">
+            <a:schemeClr val="accent1"/>
+          </a:fillRef>
+          <a:effectRef idx="0">
+            <a:schemeClr val="accent1"/>
+          </a:effectRef>
+          <a:fontRef idx="minor">
+            <a:schemeClr val="lt1"/>
+          </a:fontRef>
+        </p:style>
+        <p:txBody>
+          <a:bodyPr rtlCol="0" anchor="ctr"/>
+          <a:lstStyle/>
+          <a:p>
+            <a:pPr algn="ctr"/>
+            <a:endParaRPr lang="en-US" dirty="0"/>
+          </a:p>
+        </p:txBody>
+      </p:sp>
+      <p:sp>
+        <p:nvSpPr>
+          <p:cNvPr id="2" name="Title 1">
+            <a:extLst>
+              <a:ext uri="{FF2B5EF4-FFF2-40B4-BE49-F238E27FC236}">
+                <a16:creationId xmlns:a16="http://schemas.microsoft.com/office/drawing/2014/main" id="{BE9DF722-B667-409D-835D-23DABB7ACD96}"/>
+              </a:ext>
+            </a:extLst>
+          </p:cNvPr>
+          <p:cNvSpPr>
+            <a:spLocks noGrp="1"/>
+          </p:cNvSpPr>
+          <p:nvPr>
+            <p:ph type="title"/>
+          </p:nvPr>
+        </p:nvSpPr>
+        <p:spPr>
+          <a:xfrm>
+            <a:off x="404552" y="3091928"/>
+            <a:ext cx="10385367" cy="2387600"/>
+          </a:xfrm>
+        </p:spPr>
+        <p:txBody>
+          <a:bodyPr vert="horz" lIns="91440" tIns="45720" rIns="91440" bIns="45720" rtlCol="0" anchor="b">
+            <a:normAutofit/>
+          </a:bodyPr>
+          <a:lstStyle/>
+          <a:p>
+            <a:pPr algn="ctr"/>
+            <a:r>
+              <a:rPr lang="en-US" sz="5600" dirty="0">
+                <a:solidFill>
+                  <a:schemeClr val="bg1"/>
+                </a:solidFill>
+              </a:rPr>
+              <a:t>Next Talk: Linux Network </a:t>
+            </a:r>
+            <a:r>
+              <a:rPr lang="en-US" sz="5600" dirty="0" err="1">
+                <a:solidFill>
+                  <a:schemeClr val="bg1"/>
+                </a:solidFill>
+              </a:rPr>
+              <a:t>Defence</a:t>
+            </a:r>
+            <a:r>
+              <a:rPr lang="en-US" sz="5600" dirty="0">
+                <a:solidFill>
+                  <a:schemeClr val="bg1"/>
+                </a:solidFill>
+              </a:rPr>
+              <a:t> Evasion (Part 2)</a:t>
+            </a:r>
+          </a:p>
+        </p:txBody>
+      </p:sp>
+    </p:spTree>
+    <p:extLst>
+      <p:ext uri="{BB962C8B-B14F-4D97-AF65-F5344CB8AC3E}">
+        <p14:creationId xmlns:p14="http://schemas.microsoft.com/office/powerpoint/2010/main" val="2856895853"/>
+      </p:ext>
+    </p:extLst>
+  </p:cSld>
+  <p:clrMapOvr>
+    <a:masterClrMapping/>
+  </p:clrMapOvr>
+</p:sld>
+</file>
+
+<file path=ppt/slides/slide34.xml><?xml version="1.0" encoding="utf-8"?>
 <p:sld xmlns:a="http://schemas.openxmlformats.org/drawingml/2006/main" xmlns:r="http://schemas.openxmlformats.org/officeDocument/2006/relationships" xmlns:p="http://schemas.openxmlformats.org/presentationml/2006/main">
   <p:cSld>
     <p:bg>

--- a/8 - Offensive Security Tactics for Linux Professionals - Linux Network Defence Evasion.pptx
+++ b/8 - Offensive Security Tactics for Linux Professionals - Linux Network Defence Evasion.pptx
@@ -39252,14 +39252,16 @@
       </p:sp>
       <p:pic>
         <p:nvPicPr>
-          <p:cNvPr id="9" name="Picture 8">
+          <p:cNvPr id="4" name="Picture 3">
             <a:extLst>
               <a:ext uri="{FF2B5EF4-FFF2-40B4-BE49-F238E27FC236}">
-                <a16:creationId xmlns:a16="http://schemas.microsoft.com/office/drawing/2014/main" id="{77184BB8-6205-4F15-BCCB-FFFDF68EA1AF}"/>
+                <a16:creationId xmlns:a16="http://schemas.microsoft.com/office/drawing/2014/main" id="{0E3679D0-4200-4979-B3BD-335C8383E09A}"/>
               </a:ext>
             </a:extLst>
           </p:cNvPr>
-          <p:cNvPicPr/>
+          <p:cNvPicPr>
+            <a:picLocks noChangeAspect="1"/>
+          </p:cNvPicPr>
           <p:nvPr/>
         </p:nvPicPr>
         <p:blipFill>
@@ -39270,8 +39272,8 @@
         </p:blipFill>
         <p:spPr>
           <a:xfrm>
-            <a:off x="6027469" y="625684"/>
-            <a:ext cx="5182610" cy="5455380"/>
+            <a:off x="5790838" y="704470"/>
+            <a:ext cx="5182323" cy="5449060"/>
           </a:xfrm>
           <a:prstGeom prst="rect">
             <a:avLst/>
